--- a/webserver/views/image/Load/歯車.pptx
+++ b/webserver/views/image/Load/歯車.pptx
@@ -104,6 +104,11 @@
       </a:defRPr>
     </a:lvl9pPr>
   </p:defaultTextStyle>
+  <p:extLst>
+    <p:ext uri="{EFAFB233-063F-42B5-8137-9DF3F51BA10A}">
+      <p15:sldGuideLst xmlns:p15="http://schemas.microsoft.com/office/powerpoint/2012/main"/>
+    </p:ext>
+  </p:extLst>
 </p:presentation>
 </file>
 
@@ -238,7 +243,7 @@
           <a:p>
             <a:fld id="{80C4D367-ACD5-4890-A269-8FA27927F095}" type="datetimeFigureOut">
               <a:rPr kumimoji="1" lang="ja-JP" altLang="en-US" smtClean="0"/>
-              <a:t>2018/7/6</a:t>
+              <a:t>2018/7/7</a:t>
             </a:fld>
             <a:endParaRPr kumimoji="1" lang="ja-JP" altLang="en-US"/>
           </a:p>
@@ -440,7 +445,7 @@
           <a:p>
             <a:fld id="{80C4D367-ACD5-4890-A269-8FA27927F095}" type="datetimeFigureOut">
               <a:rPr kumimoji="1" lang="ja-JP" altLang="en-US" smtClean="0"/>
-              <a:t>2018/7/6</a:t>
+              <a:t>2018/7/7</a:t>
             </a:fld>
             <a:endParaRPr kumimoji="1" lang="ja-JP" altLang="en-US"/>
           </a:p>
@@ -652,7 +657,7 @@
           <a:p>
             <a:fld id="{80C4D367-ACD5-4890-A269-8FA27927F095}" type="datetimeFigureOut">
               <a:rPr kumimoji="1" lang="ja-JP" altLang="en-US" smtClean="0"/>
-              <a:t>2018/7/6</a:t>
+              <a:t>2018/7/7</a:t>
             </a:fld>
             <a:endParaRPr kumimoji="1" lang="ja-JP" altLang="en-US"/>
           </a:p>
@@ -854,7 +859,7 @@
           <a:p>
             <a:fld id="{80C4D367-ACD5-4890-A269-8FA27927F095}" type="datetimeFigureOut">
               <a:rPr kumimoji="1" lang="ja-JP" altLang="en-US" smtClean="0"/>
-              <a:t>2018/7/6</a:t>
+              <a:t>2018/7/7</a:t>
             </a:fld>
             <a:endParaRPr kumimoji="1" lang="ja-JP" altLang="en-US"/>
           </a:p>
@@ -1100,7 +1105,7 @@
           <a:p>
             <a:fld id="{80C4D367-ACD5-4890-A269-8FA27927F095}" type="datetimeFigureOut">
               <a:rPr kumimoji="1" lang="ja-JP" altLang="en-US" smtClean="0"/>
-              <a:t>2018/7/6</a:t>
+              <a:t>2018/7/7</a:t>
             </a:fld>
             <a:endParaRPr kumimoji="1" lang="ja-JP" altLang="en-US"/>
           </a:p>
@@ -1396,7 +1401,7 @@
           <a:p>
             <a:fld id="{80C4D367-ACD5-4890-A269-8FA27927F095}" type="datetimeFigureOut">
               <a:rPr kumimoji="1" lang="ja-JP" altLang="en-US" smtClean="0"/>
-              <a:t>2018/7/6</a:t>
+              <a:t>2018/7/7</a:t>
             </a:fld>
             <a:endParaRPr kumimoji="1" lang="ja-JP" altLang="en-US"/>
           </a:p>
@@ -1827,7 +1832,7 @@
           <a:p>
             <a:fld id="{80C4D367-ACD5-4890-A269-8FA27927F095}" type="datetimeFigureOut">
               <a:rPr kumimoji="1" lang="ja-JP" altLang="en-US" smtClean="0"/>
-              <a:t>2018/7/6</a:t>
+              <a:t>2018/7/7</a:t>
             </a:fld>
             <a:endParaRPr kumimoji="1" lang="ja-JP" altLang="en-US"/>
           </a:p>
@@ -1945,7 +1950,7 @@
           <a:p>
             <a:fld id="{80C4D367-ACD5-4890-A269-8FA27927F095}" type="datetimeFigureOut">
               <a:rPr kumimoji="1" lang="ja-JP" altLang="en-US" smtClean="0"/>
-              <a:t>2018/7/6</a:t>
+              <a:t>2018/7/7</a:t>
             </a:fld>
             <a:endParaRPr kumimoji="1" lang="ja-JP" altLang="en-US"/>
           </a:p>
@@ -2040,7 +2045,7 @@
           <a:p>
             <a:fld id="{80C4D367-ACD5-4890-A269-8FA27927F095}" type="datetimeFigureOut">
               <a:rPr kumimoji="1" lang="ja-JP" altLang="en-US" smtClean="0"/>
-              <a:t>2018/7/6</a:t>
+              <a:t>2018/7/7</a:t>
             </a:fld>
             <a:endParaRPr kumimoji="1" lang="ja-JP" altLang="en-US"/>
           </a:p>
@@ -2349,7 +2354,7 @@
           <a:p>
             <a:fld id="{80C4D367-ACD5-4890-A269-8FA27927F095}" type="datetimeFigureOut">
               <a:rPr kumimoji="1" lang="ja-JP" altLang="en-US" smtClean="0"/>
-              <a:t>2018/7/6</a:t>
+              <a:t>2018/7/7</a:t>
             </a:fld>
             <a:endParaRPr kumimoji="1" lang="ja-JP" altLang="en-US"/>
           </a:p>
@@ -2602,7 +2607,7 @@
           <a:p>
             <a:fld id="{80C4D367-ACD5-4890-A269-8FA27927F095}" type="datetimeFigureOut">
               <a:rPr kumimoji="1" lang="ja-JP" altLang="en-US" smtClean="0"/>
-              <a:t>2018/7/6</a:t>
+              <a:t>2018/7/7</a:t>
             </a:fld>
             <a:endParaRPr kumimoji="1" lang="ja-JP" altLang="en-US"/>
           </a:p>
@@ -2847,7 +2852,7 @@
           <a:p>
             <a:fld id="{80C4D367-ACD5-4890-A269-8FA27927F095}" type="datetimeFigureOut">
               <a:rPr kumimoji="1" lang="ja-JP" altLang="en-US" smtClean="0"/>
-              <a:t>2018/7/6</a:t>
+              <a:t>2018/7/7</a:t>
             </a:fld>
             <a:endParaRPr kumimoji="1" lang="ja-JP" altLang="en-US"/>
           </a:p>
@@ -3254,15 +3259,15 @@
       </p:grpSpPr>
       <p:grpSp>
         <p:nvGrpSpPr>
-          <p:cNvPr id="100" name="グループ化 99"/>
+          <p:cNvPr id="14" name="グループ化 13"/>
           <p:cNvGrpSpPr/>
           <p:nvPr/>
         </p:nvGrpSpPr>
         <p:grpSpPr>
           <a:xfrm>
-            <a:off x="1587039" y="1459684"/>
+            <a:off x="3273950" y="1081311"/>
             <a:ext cx="4345904" cy="4403302"/>
-            <a:chOff x="501189" y="1126309"/>
+            <a:chOff x="3273950" y="1081311"/>
             <a:chExt cx="4345904" cy="4403302"/>
           </a:xfrm>
         </p:grpSpPr>
@@ -3274,17 +3279,14 @@
           </p:nvSpPr>
           <p:spPr>
             <a:xfrm>
-              <a:off x="2509829" y="1126309"/>
+              <a:off x="5282590" y="1081311"/>
               <a:ext cx="360000" cy="900000"/>
             </a:xfrm>
             <a:prstGeom prst="rect">
               <a:avLst/>
             </a:prstGeom>
             <a:solidFill>
-              <a:schemeClr val="tx1">
-                <a:lumMod val="50000"/>
-                <a:lumOff val="50000"/>
-              </a:schemeClr>
+              <a:schemeClr val="bg1"/>
             </a:solidFill>
             <a:ln>
               <a:noFill/>
@@ -3330,16 +3332,15 @@
           </p:nvSpPr>
           <p:spPr>
             <a:xfrm rot="5400000">
-              <a:off x="4217093" y="2836309"/>
+              <a:off x="6989854" y="2791311"/>
               <a:ext cx="360000" cy="900000"/>
             </a:xfrm>
             <a:prstGeom prst="rect">
               <a:avLst/>
             </a:prstGeom>
             <a:solidFill>
-              <a:schemeClr val="tx1">
-                <a:lumMod val="85000"/>
-                <a:lumOff val="15000"/>
+              <a:schemeClr val="bg1">
+                <a:lumMod val="95000"/>
               </a:schemeClr>
             </a:solidFill>
             <a:ln>
@@ -3379,17 +3380,14 @@
           </p:nvSpPr>
           <p:spPr>
             <a:xfrm rot="1800000">
-              <a:off x="3362093" y="1355406"/>
+              <a:off x="6134854" y="1310408"/>
               <a:ext cx="360000" cy="900000"/>
             </a:xfrm>
             <a:prstGeom prst="rect">
               <a:avLst/>
             </a:prstGeom>
             <a:solidFill>
-              <a:schemeClr val="tx1">
-                <a:lumMod val="65000"/>
-                <a:lumOff val="35000"/>
-              </a:schemeClr>
+              <a:schemeClr val="bg1"/>
             </a:solidFill>
             <a:ln>
               <a:noFill/>
@@ -3435,17 +3433,14 @@
           </p:nvSpPr>
           <p:spPr>
             <a:xfrm rot="3600000">
-              <a:off x="3987996" y="1981309"/>
+              <a:off x="6760757" y="1936311"/>
               <a:ext cx="360000" cy="900000"/>
             </a:xfrm>
             <a:prstGeom prst="rect">
               <a:avLst/>
             </a:prstGeom>
             <a:solidFill>
-              <a:schemeClr val="tx1">
-                <a:lumMod val="75000"/>
-                <a:lumOff val="25000"/>
-              </a:schemeClr>
+              <a:schemeClr val="bg1"/>
             </a:solidFill>
             <a:ln>
               <a:noFill/>
@@ -3491,148 +3486,7 @@
           </p:nvSpPr>
           <p:spPr>
             <a:xfrm rot="7200000">
-              <a:off x="3987996" y="3691309"/>
-              <a:ext cx="360000" cy="900000"/>
-            </a:xfrm>
-            <a:prstGeom prst="rect">
-              <a:avLst/>
-            </a:prstGeom>
-            <a:solidFill>
-              <a:schemeClr val="tx1">
-                <a:lumMod val="95000"/>
-                <a:lumOff val="5000"/>
-              </a:schemeClr>
-            </a:solidFill>
-            <a:ln>
-              <a:noFill/>
-            </a:ln>
-          </p:spPr>
-          <p:style>
-            <a:lnRef idx="2">
-              <a:schemeClr val="accent1">
-                <a:shade val="50000"/>
-              </a:schemeClr>
-            </a:lnRef>
-            <a:fillRef idx="1">
-              <a:schemeClr val="accent1"/>
-            </a:fillRef>
-            <a:effectRef idx="0">
-              <a:schemeClr val="accent1"/>
-            </a:effectRef>
-            <a:fontRef idx="minor">
-              <a:schemeClr val="lt1"/>
-            </a:fontRef>
-          </p:style>
-          <p:txBody>
-            <a:bodyPr rtlCol="0" anchor="ctr"/>
-            <a:lstStyle/>
-            <a:p>
-              <a:pPr algn="ctr"/>
-              <a:endParaRPr kumimoji="1" lang="ja-JP" altLang="en-US"/>
-            </a:p>
-          </p:txBody>
-        </p:sp>
-        <p:sp>
-          <p:nvSpPr>
-            <p:cNvPr id="83" name="正方形/長方形 82"/>
-            <p:cNvSpPr/>
-            <p:nvPr/>
-          </p:nvSpPr>
-          <p:spPr>
-            <a:xfrm rot="9000000">
-              <a:off x="3343135" y="4416856"/>
-              <a:ext cx="360000" cy="900000"/>
-            </a:xfrm>
-            <a:prstGeom prst="rect">
-              <a:avLst/>
-            </a:prstGeom>
-            <a:solidFill>
-              <a:schemeClr val="bg1"/>
-            </a:solidFill>
-            <a:ln>
-              <a:noFill/>
-            </a:ln>
-          </p:spPr>
-          <p:style>
-            <a:lnRef idx="2">
-              <a:schemeClr val="accent1">
-                <a:shade val="50000"/>
-              </a:schemeClr>
-            </a:lnRef>
-            <a:fillRef idx="1">
-              <a:schemeClr val="accent1"/>
-            </a:fillRef>
-            <a:effectRef idx="0">
-              <a:schemeClr val="accent1"/>
-            </a:effectRef>
-            <a:fontRef idx="minor">
-              <a:schemeClr val="lt1"/>
-            </a:fontRef>
-          </p:style>
-          <p:txBody>
-            <a:bodyPr rtlCol="0" anchor="ctr"/>
-            <a:lstStyle/>
-            <a:p>
-              <a:pPr algn="ctr"/>
-              <a:endParaRPr kumimoji="1" lang="ja-JP" altLang="en-US"/>
-            </a:p>
-          </p:txBody>
-        </p:sp>
-        <p:sp>
-          <p:nvSpPr>
-            <p:cNvPr id="94" name="正方形/長方形 93"/>
-            <p:cNvSpPr/>
-            <p:nvPr/>
-          </p:nvSpPr>
-          <p:spPr>
-            <a:xfrm rot="10800000">
-              <a:off x="2478453" y="4629611"/>
-              <a:ext cx="360000" cy="900000"/>
-            </a:xfrm>
-            <a:prstGeom prst="rect">
-              <a:avLst/>
-            </a:prstGeom>
-            <a:solidFill>
-              <a:schemeClr val="bg1"/>
-            </a:solidFill>
-            <a:ln>
-              <a:noFill/>
-            </a:ln>
-          </p:spPr>
-          <p:style>
-            <a:lnRef idx="2">
-              <a:schemeClr val="accent1">
-                <a:shade val="50000"/>
-              </a:schemeClr>
-            </a:lnRef>
-            <a:fillRef idx="1">
-              <a:schemeClr val="accent1"/>
-            </a:fillRef>
-            <a:effectRef idx="0">
-              <a:schemeClr val="accent1"/>
-            </a:effectRef>
-            <a:fontRef idx="minor">
-              <a:schemeClr val="lt1"/>
-            </a:fontRef>
-          </p:style>
-          <p:txBody>
-            <a:bodyPr rtlCol="0" anchor="ctr"/>
-            <a:lstStyle/>
-            <a:p>
-              <a:pPr algn="ctr"/>
-              <a:endParaRPr kumimoji="1" lang="ja-JP" altLang="en-US"/>
-            </a:p>
-          </p:txBody>
-        </p:sp>
-        <p:sp>
-          <p:nvSpPr>
-            <p:cNvPr id="95" name="正方形/長方形 94"/>
-            <p:cNvSpPr/>
-            <p:nvPr/>
-          </p:nvSpPr>
-          <p:spPr>
-            <a:xfrm rot="16200000">
-              <a:off x="771189" y="2919611"/>
+              <a:off x="6760757" y="3646310"/>
               <a:ext cx="360000" cy="900000"/>
             </a:xfrm>
             <a:prstGeom prst="rect">
@@ -3674,107 +3528,13 @@
         </p:sp>
         <p:sp>
           <p:nvSpPr>
-            <p:cNvPr id="96" name="正方形/長方形 95"/>
+            <p:cNvPr id="83" name="正方形/長方形 82"/>
             <p:cNvSpPr/>
             <p:nvPr/>
           </p:nvSpPr>
           <p:spPr>
-            <a:xfrm rot="12600000">
-              <a:off x="1626189" y="4400514"/>
-              <a:ext cx="360000" cy="900000"/>
-            </a:xfrm>
-            <a:prstGeom prst="rect">
-              <a:avLst/>
-            </a:prstGeom>
-            <a:solidFill>
-              <a:schemeClr val="bg1"/>
-            </a:solidFill>
-            <a:ln>
-              <a:noFill/>
-            </a:ln>
-          </p:spPr>
-          <p:style>
-            <a:lnRef idx="2">
-              <a:schemeClr val="accent1">
-                <a:shade val="50000"/>
-              </a:schemeClr>
-            </a:lnRef>
-            <a:fillRef idx="1">
-              <a:schemeClr val="accent1"/>
-            </a:fillRef>
-            <a:effectRef idx="0">
-              <a:schemeClr val="accent1"/>
-            </a:effectRef>
-            <a:fontRef idx="minor">
-              <a:schemeClr val="lt1"/>
-            </a:fontRef>
-          </p:style>
-          <p:txBody>
-            <a:bodyPr rtlCol="0" anchor="ctr"/>
-            <a:lstStyle/>
-            <a:p>
-              <a:pPr algn="ctr"/>
-              <a:endParaRPr kumimoji="1" lang="ja-JP" altLang="en-US"/>
-            </a:p>
-          </p:txBody>
-        </p:sp>
-        <p:sp>
-          <p:nvSpPr>
-            <p:cNvPr id="97" name="正方形/長方形 96"/>
-            <p:cNvSpPr/>
-            <p:nvPr/>
-          </p:nvSpPr>
-          <p:spPr>
-            <a:xfrm rot="14400000">
-              <a:off x="1000286" y="3774611"/>
-              <a:ext cx="360000" cy="900000"/>
-            </a:xfrm>
-            <a:prstGeom prst="rect">
-              <a:avLst/>
-            </a:prstGeom>
-            <a:solidFill>
-              <a:schemeClr val="bg1">
-                <a:lumMod val="95000"/>
-              </a:schemeClr>
-            </a:solidFill>
-            <a:ln>
-              <a:noFill/>
-            </a:ln>
-          </p:spPr>
-          <p:style>
-            <a:lnRef idx="2">
-              <a:schemeClr val="accent1">
-                <a:shade val="50000"/>
-              </a:schemeClr>
-            </a:lnRef>
-            <a:fillRef idx="1">
-              <a:schemeClr val="accent1"/>
-            </a:fillRef>
-            <a:effectRef idx="0">
-              <a:schemeClr val="accent1"/>
-            </a:effectRef>
-            <a:fontRef idx="minor">
-              <a:schemeClr val="lt1"/>
-            </a:fontRef>
-          </p:style>
-          <p:txBody>
-            <a:bodyPr rtlCol="0" anchor="ctr"/>
-            <a:lstStyle/>
-            <a:p>
-              <a:pPr algn="ctr"/>
-              <a:endParaRPr kumimoji="1" lang="ja-JP" altLang="en-US"/>
-            </a:p>
-          </p:txBody>
-        </p:sp>
-        <p:sp>
-          <p:nvSpPr>
-            <p:cNvPr id="98" name="正方形/長方形 97"/>
-            <p:cNvSpPr/>
-            <p:nvPr/>
-          </p:nvSpPr>
-          <p:spPr>
-            <a:xfrm rot="18000000">
-              <a:off x="1000286" y="2064611"/>
+            <a:xfrm rot="9000000">
+              <a:off x="6115897" y="4371857"/>
               <a:ext cx="360000" cy="900000"/>
             </a:xfrm>
             <a:prstGeom prst="rect">
@@ -3816,13 +3576,13 @@
         </p:sp>
         <p:sp>
           <p:nvSpPr>
-            <p:cNvPr id="99" name="正方形/長方形 98"/>
+            <p:cNvPr id="94" name="正方形/長方形 93"/>
             <p:cNvSpPr/>
             <p:nvPr/>
           </p:nvSpPr>
           <p:spPr>
-            <a:xfrm rot="19800000">
-              <a:off x="1645147" y="1339064"/>
+            <a:xfrm rot="10800000">
+              <a:off x="5251214" y="4584613"/>
               <a:ext cx="360000" cy="900000"/>
             </a:xfrm>
             <a:prstGeom prst="rect">
@@ -3831,6 +3591,251 @@
             <a:solidFill>
               <a:schemeClr val="bg1">
                 <a:lumMod val="65000"/>
+              </a:schemeClr>
+            </a:solidFill>
+            <a:ln>
+              <a:noFill/>
+            </a:ln>
+          </p:spPr>
+          <p:style>
+            <a:lnRef idx="2">
+              <a:schemeClr val="accent1">
+                <a:shade val="50000"/>
+              </a:schemeClr>
+            </a:lnRef>
+            <a:fillRef idx="1">
+              <a:schemeClr val="accent1"/>
+            </a:fillRef>
+            <a:effectRef idx="0">
+              <a:schemeClr val="accent1"/>
+            </a:effectRef>
+            <a:fontRef idx="minor">
+              <a:schemeClr val="lt1"/>
+            </a:fontRef>
+          </p:style>
+          <p:txBody>
+            <a:bodyPr rtlCol="0" anchor="ctr"/>
+            <a:lstStyle/>
+            <a:p>
+              <a:pPr algn="ctr"/>
+              <a:endParaRPr kumimoji="1" lang="ja-JP" altLang="en-US"/>
+            </a:p>
+          </p:txBody>
+        </p:sp>
+        <p:sp>
+          <p:nvSpPr>
+            <p:cNvPr id="95" name="正方形/長方形 94"/>
+            <p:cNvSpPr/>
+            <p:nvPr/>
+          </p:nvSpPr>
+          <p:spPr>
+            <a:xfrm rot="16200000">
+              <a:off x="3543950" y="2874613"/>
+              <a:ext cx="360000" cy="900000"/>
+            </a:xfrm>
+            <a:prstGeom prst="rect">
+              <a:avLst/>
+            </a:prstGeom>
+            <a:solidFill>
+              <a:schemeClr val="tx1">
+                <a:lumMod val="75000"/>
+                <a:lumOff val="25000"/>
+              </a:schemeClr>
+            </a:solidFill>
+            <a:ln>
+              <a:noFill/>
+            </a:ln>
+          </p:spPr>
+          <p:style>
+            <a:lnRef idx="2">
+              <a:schemeClr val="accent1">
+                <a:shade val="50000"/>
+              </a:schemeClr>
+            </a:lnRef>
+            <a:fillRef idx="1">
+              <a:schemeClr val="accent1"/>
+            </a:fillRef>
+            <a:effectRef idx="0">
+              <a:schemeClr val="accent1"/>
+            </a:effectRef>
+            <a:fontRef idx="minor">
+              <a:schemeClr val="lt1"/>
+            </a:fontRef>
+          </p:style>
+          <p:txBody>
+            <a:bodyPr rtlCol="0" anchor="ctr"/>
+            <a:lstStyle/>
+            <a:p>
+              <a:pPr algn="ctr"/>
+              <a:endParaRPr kumimoji="1" lang="ja-JP" altLang="en-US"/>
+            </a:p>
+          </p:txBody>
+        </p:sp>
+        <p:sp>
+          <p:nvSpPr>
+            <p:cNvPr id="96" name="正方形/長方形 95"/>
+            <p:cNvSpPr/>
+            <p:nvPr/>
+          </p:nvSpPr>
+          <p:spPr>
+            <a:xfrm rot="12600000">
+              <a:off x="4398950" y="4355516"/>
+              <a:ext cx="360000" cy="900000"/>
+            </a:xfrm>
+            <a:prstGeom prst="rect">
+              <a:avLst/>
+            </a:prstGeom>
+            <a:solidFill>
+              <a:schemeClr val="tx1">
+                <a:lumMod val="50000"/>
+                <a:lumOff val="50000"/>
+              </a:schemeClr>
+            </a:solidFill>
+            <a:ln>
+              <a:noFill/>
+            </a:ln>
+          </p:spPr>
+          <p:style>
+            <a:lnRef idx="2">
+              <a:schemeClr val="accent1">
+                <a:shade val="50000"/>
+              </a:schemeClr>
+            </a:lnRef>
+            <a:fillRef idx="1">
+              <a:schemeClr val="accent1"/>
+            </a:fillRef>
+            <a:effectRef idx="0">
+              <a:schemeClr val="accent1"/>
+            </a:effectRef>
+            <a:fontRef idx="minor">
+              <a:schemeClr val="lt1"/>
+            </a:fontRef>
+          </p:style>
+          <p:txBody>
+            <a:bodyPr rtlCol="0" anchor="ctr"/>
+            <a:lstStyle/>
+            <a:p>
+              <a:pPr algn="ctr"/>
+              <a:endParaRPr kumimoji="1" lang="ja-JP" altLang="en-US" dirty="0"/>
+            </a:p>
+          </p:txBody>
+        </p:sp>
+        <p:sp>
+          <p:nvSpPr>
+            <p:cNvPr id="97" name="正方形/長方形 96"/>
+            <p:cNvSpPr/>
+            <p:nvPr/>
+          </p:nvSpPr>
+          <p:spPr>
+            <a:xfrm rot="14400000">
+              <a:off x="3773047" y="3729613"/>
+              <a:ext cx="360000" cy="900000"/>
+            </a:xfrm>
+            <a:prstGeom prst="rect">
+              <a:avLst/>
+            </a:prstGeom>
+            <a:solidFill>
+              <a:schemeClr val="tx1">
+                <a:lumMod val="65000"/>
+                <a:lumOff val="35000"/>
+              </a:schemeClr>
+            </a:solidFill>
+            <a:ln>
+              <a:noFill/>
+            </a:ln>
+          </p:spPr>
+          <p:style>
+            <a:lnRef idx="2">
+              <a:schemeClr val="accent1">
+                <a:shade val="50000"/>
+              </a:schemeClr>
+            </a:lnRef>
+            <a:fillRef idx="1">
+              <a:schemeClr val="accent1"/>
+            </a:fillRef>
+            <a:effectRef idx="0">
+              <a:schemeClr val="accent1"/>
+            </a:effectRef>
+            <a:fontRef idx="minor">
+              <a:schemeClr val="lt1"/>
+            </a:fontRef>
+          </p:style>
+          <p:txBody>
+            <a:bodyPr rtlCol="0" anchor="ctr"/>
+            <a:lstStyle/>
+            <a:p>
+              <a:pPr algn="ctr"/>
+              <a:endParaRPr kumimoji="1" lang="ja-JP" altLang="en-US"/>
+            </a:p>
+          </p:txBody>
+        </p:sp>
+        <p:sp>
+          <p:nvSpPr>
+            <p:cNvPr id="98" name="正方形/長方形 97"/>
+            <p:cNvSpPr/>
+            <p:nvPr/>
+          </p:nvSpPr>
+          <p:spPr>
+            <a:xfrm rot="18000000">
+              <a:off x="3773047" y="2019613"/>
+              <a:ext cx="360000" cy="900000"/>
+            </a:xfrm>
+            <a:prstGeom prst="rect">
+              <a:avLst/>
+            </a:prstGeom>
+            <a:solidFill>
+              <a:schemeClr val="tx1">
+                <a:lumMod val="85000"/>
+                <a:lumOff val="15000"/>
+              </a:schemeClr>
+            </a:solidFill>
+            <a:ln>
+              <a:noFill/>
+            </a:ln>
+          </p:spPr>
+          <p:style>
+            <a:lnRef idx="2">
+              <a:schemeClr val="accent1">
+                <a:shade val="50000"/>
+              </a:schemeClr>
+            </a:lnRef>
+            <a:fillRef idx="1">
+              <a:schemeClr val="accent1"/>
+            </a:fillRef>
+            <a:effectRef idx="0">
+              <a:schemeClr val="accent1"/>
+            </a:effectRef>
+            <a:fontRef idx="minor">
+              <a:schemeClr val="lt1"/>
+            </a:fontRef>
+          </p:style>
+          <p:txBody>
+            <a:bodyPr rtlCol="0" anchor="ctr"/>
+            <a:lstStyle/>
+            <a:p>
+              <a:pPr algn="ctr"/>
+              <a:endParaRPr kumimoji="1" lang="ja-JP" altLang="en-US"/>
+            </a:p>
+          </p:txBody>
+        </p:sp>
+        <p:sp>
+          <p:nvSpPr>
+            <p:cNvPr id="99" name="正方形/長方形 98"/>
+            <p:cNvSpPr/>
+            <p:nvPr/>
+          </p:nvSpPr>
+          <p:spPr>
+            <a:xfrm rot="19800000">
+              <a:off x="4417908" y="1294066"/>
+              <a:ext cx="360000" cy="900000"/>
+            </a:xfrm>
+            <a:prstGeom prst="rect">
+              <a:avLst/>
+            </a:prstGeom>
+            <a:solidFill>
+              <a:schemeClr val="tx1">
+                <a:lumMod val="95000"/>
+                <a:lumOff val="5000"/>
               </a:schemeClr>
             </a:solidFill>
             <a:ln>
